--- a/Week 5 - Functions and Graphing/PowerPoint Presentations/Week_5_Part_2_Functions_and_Graphing.pptx
+++ b/Week 5 - Functions and Graphing/PowerPoint Presentations/Week_5_Part_2_Functions_and_Graphing.pptx
@@ -238,7 +238,7 @@
           <a:p>
             <a:fld id="{C0DB4203-FCE6-4DB9-8B82-6DDA69D645A0}" type="datetimeFigureOut">
               <a:rPr lang="en-ZA" smtClean="0"/>
-              <a:t>2023/05/09</a:t>
+              <a:t>23 May 2023</a:t>
             </a:fld>
             <a:endParaRPr lang="en-ZA"/>
           </a:p>
@@ -5527,7 +5527,7 @@
               <a:buNone/>
             </a:pPr>
             <a:r>
-              <a:rPr lang="en-ZA" sz="1800" dirty="0">
+              <a:rPr lang="en-ZA" sz="1600" dirty="0">
                 <a:effectLst/>
                 <a:latin typeface="Helvetica" panose="020B0604020202020204" pitchFamily="34" charset="0"/>
                 <a:ea typeface="Times New Roman" panose="02020603050405020304" pitchFamily="18" charset="0"/>
@@ -5536,7 +5536,7 @@
               <a:t>For eight specific colours, you can refer to them by name or a single letter abbreviation using the character code specified in the table under the </a:t>
             </a:r>
             <a:r>
-              <a:rPr lang="en-ZA" sz="1800" dirty="0">
+              <a:rPr lang="en-ZA" sz="1600" dirty="0">
                 <a:solidFill>
                   <a:srgbClr val="005FCE"/>
                 </a:solidFill>
@@ -5549,7 +5549,7 @@
               <a:t>Plot Options</a:t>
             </a:r>
             <a:r>
-              <a:rPr lang="en-ZA" sz="1800" dirty="0">
+              <a:rPr lang="en-ZA" sz="1600" dirty="0">
                 <a:effectLst/>
                 <a:latin typeface="Helvetica" panose="020B0604020202020204" pitchFamily="34" charset="0"/>
                 <a:ea typeface="Times New Roman" panose="02020603050405020304" pitchFamily="18" charset="0"/>
@@ -5572,7 +5572,7 @@
               <a:buNone/>
             </a:pPr>
             <a:r>
-              <a:rPr lang="en-ZA" sz="1800" dirty="0">
+              <a:rPr lang="en-ZA" sz="1600" dirty="0">
                 <a:effectLst/>
                 <a:latin typeface="Helvetica" panose="020B0604020202020204" pitchFamily="34" charset="0"/>
                 <a:ea typeface="Times New Roman" panose="02020603050405020304" pitchFamily="18" charset="0"/>
@@ -5581,7 +5581,7 @@
               <a:t>In addition to this, you can specify over ten million other colours with a 3-element vector of red-green-blue (</a:t>
             </a:r>
             <a:r>
-              <a:rPr lang="en-ZA" sz="1800" dirty="0">
+              <a:rPr lang="en-ZA" sz="1600" dirty="0">
                 <a:solidFill>
                   <a:srgbClr val="005FCE"/>
                 </a:solidFill>
@@ -5594,7 +5594,7 @@
               <a:t>RGB</a:t>
             </a:r>
             <a:r>
-              <a:rPr lang="en-ZA" sz="1800" dirty="0">
+              <a:rPr lang="en-ZA" sz="1600" dirty="0">
                 <a:effectLst/>
                 <a:latin typeface="Helvetica" panose="020B0604020202020204" pitchFamily="34" charset="0"/>
                 <a:ea typeface="Times New Roman" panose="02020603050405020304" pitchFamily="18" charset="0"/>
@@ -5608,7 +5608,7 @@
               <a:buNone/>
             </a:pPr>
             <a:r>
-              <a:rPr lang="en-ZA" sz="1800" b="1" dirty="0">
+              <a:rPr lang="en-ZA" sz="1600" b="1" dirty="0">
                 <a:effectLst/>
                 <a:latin typeface="Helvetica" panose="020B0604020202020204" pitchFamily="34" charset="0"/>
                 <a:ea typeface="Times New Roman" panose="02020603050405020304" pitchFamily="18" charset="0"/>
@@ -5617,7 +5617,7 @@
               <a:t>Note</a:t>
             </a:r>
             <a:r>
-              <a:rPr lang="en-ZA" sz="1800" dirty="0">
+              <a:rPr lang="en-ZA" sz="1600" dirty="0">
                 <a:effectLst/>
                 <a:latin typeface="Helvetica" panose="020B0604020202020204" pitchFamily="34" charset="0"/>
                 <a:ea typeface="Times New Roman" panose="02020603050405020304" pitchFamily="18" charset="0"/>
@@ -5626,7 +5626,7 @@
               <a:t> that you cannot use an RGB triplet in the line specification input. Instead, to specify line colour with an RGB vector, you need to provide an optional property name-value pair to the plot function. The property name is "</a:t>
             </a:r>
             <a:r>
-              <a:rPr lang="en-ZA" sz="1800" dirty="0" err="1">
+              <a:rPr lang="en-ZA" sz="1600" dirty="0" err="1">
                 <a:effectLst/>
                 <a:latin typeface="Helvetica" panose="020B0604020202020204" pitchFamily="34" charset="0"/>
                 <a:ea typeface="Times New Roman" panose="02020603050405020304" pitchFamily="18" charset="0"/>
@@ -5635,7 +5635,7 @@
               <a:t>Color</a:t>
             </a:r>
             <a:r>
-              <a:rPr lang="en-ZA" sz="1800" dirty="0">
+              <a:rPr lang="en-ZA" sz="1600" dirty="0">
                 <a:effectLst/>
                 <a:latin typeface="Helvetica" panose="020B0604020202020204" pitchFamily="34" charset="0"/>
                 <a:ea typeface="Times New Roman" panose="02020603050405020304" pitchFamily="18" charset="0"/>
@@ -15167,7 +15167,7 @@
               <a:buNone/>
             </a:pPr>
             <a:r>
-              <a:rPr lang="en-ZA" sz="1800" dirty="0">
+              <a:rPr lang="en-ZA" sz="1600" dirty="0">
                 <a:effectLst/>
                 <a:latin typeface="Helvetica" panose="020B0604020202020204" pitchFamily="34" charset="0"/>
                 <a:ea typeface="Times New Roman" panose="02020603050405020304" pitchFamily="18" charset="0"/>
@@ -15185,7 +15185,7 @@
               <a:buChar char=""/>
             </a:pPr>
             <a:r>
-              <a:rPr lang="en-ZA" sz="2000" dirty="0">
+              <a:rPr lang="en-ZA" sz="1600" dirty="0">
                 <a:effectLst/>
                 <a:latin typeface="Helvetica" panose="020B0604020202020204" pitchFamily="34" charset="0"/>
                 <a:ea typeface="Times New Roman" panose="02020603050405020304" pitchFamily="18" charset="0"/>
@@ -15203,7 +15203,7 @@
               <a:buChar char=""/>
             </a:pPr>
             <a:r>
-              <a:rPr lang="en-ZA" sz="2000" dirty="0">
+              <a:rPr lang="en-ZA" sz="1600" dirty="0">
                 <a:effectLst/>
                 <a:latin typeface="Helvetica" panose="020B0604020202020204" pitchFamily="34" charset="0"/>
                 <a:ea typeface="Times New Roman" panose="02020603050405020304" pitchFamily="18" charset="0"/>
@@ -15221,7 +15221,7 @@
               <a:buChar char=""/>
             </a:pPr>
             <a:r>
-              <a:rPr lang="en-ZA" sz="2000" dirty="0">
+              <a:rPr lang="en-ZA" sz="1600" dirty="0">
                 <a:effectLst/>
                 <a:latin typeface="Helvetica" panose="020B0604020202020204" pitchFamily="34" charset="0"/>
                 <a:ea typeface="Times New Roman" panose="02020603050405020304" pitchFamily="18" charset="0"/>
@@ -15239,7 +15239,7 @@
               <a:buChar char=""/>
             </a:pPr>
             <a:r>
-              <a:rPr lang="en-ZA" sz="2000" dirty="0">
+              <a:rPr lang="en-ZA" sz="1600" dirty="0">
                 <a:effectLst/>
                 <a:latin typeface="Helvetica" panose="020B0604020202020204" pitchFamily="34" charset="0"/>
                 <a:ea typeface="Times New Roman" panose="02020603050405020304" pitchFamily="18" charset="0"/>
@@ -15257,7 +15257,7 @@
               <a:buChar char=""/>
             </a:pPr>
             <a:r>
-              <a:rPr lang="en-ZA" sz="2000" dirty="0">
+              <a:rPr lang="en-ZA" sz="1600" dirty="0">
                 <a:effectLst/>
                 <a:latin typeface="Helvetica" panose="020B0604020202020204" pitchFamily="34" charset="0"/>
                 <a:ea typeface="Times New Roman" panose="02020603050405020304" pitchFamily="18" charset="0"/>
@@ -15265,21 +15265,6 @@
               </a:rPr>
               <a:t>Interactively exporting to another application</a:t>
             </a:r>
-          </a:p>
-          <a:p>
-            <a:pPr marL="800100" lvl="1" indent="-342900">
-              <a:lnSpc>
-                <a:spcPct val="107000"/>
-              </a:lnSpc>
-              <a:buFont typeface="Symbol" panose="05050102010706020507" pitchFamily="18" charset="2"/>
-              <a:buChar char=""/>
-            </a:pPr>
-            <a:endParaRPr lang="en-ZA" sz="1800" dirty="0">
-              <a:effectLst/>
-              <a:latin typeface="Helvetica" panose="020B0604020202020204" pitchFamily="34" charset="0"/>
-              <a:ea typeface="Times New Roman" panose="02020603050405020304" pitchFamily="18" charset="0"/>
-              <a:cs typeface="Times New Roman" panose="02020603050405020304" pitchFamily="18" charset="0"/>
-            </a:endParaRPr>
           </a:p>
         </p:txBody>
       </p:sp>
@@ -21691,6 +21676,190 @@
               </a:rPr>
               <a:t>Week_5_Part_2_Functions_and_Graphing.mlx</a:t>
             </a:r>
+            <a:endParaRPr lang="en-ZA" sz="1600" dirty="0">
+              <a:effectLst/>
+              <a:latin typeface="Helvetica" panose="020B0604020202020204" pitchFamily="34" charset="0"/>
+              <a:ea typeface="Times New Roman" panose="02020603050405020304" pitchFamily="18" charset="0"/>
+              <a:cs typeface="Times New Roman" panose="02020603050405020304" pitchFamily="18" charset="0"/>
+            </a:endParaRPr>
+          </a:p>
+          <a:p>
+            <a:pPr marL="0" indent="0">
+              <a:lnSpc>
+                <a:spcPct val="107000"/>
+              </a:lnSpc>
+              <a:spcBef>
+                <a:spcPts val="1050"/>
+              </a:spcBef>
+              <a:spcAft>
+                <a:spcPts val="1050"/>
+              </a:spcAft>
+              <a:buNone/>
+            </a:pPr>
+            <a:endParaRPr lang="en-GB" sz="1800" b="1" i="1" dirty="0">
+              <a:effectLst/>
+              <a:latin typeface="Helvetica" panose="020B0604020202020204" pitchFamily="34" charset="0"/>
+              <a:ea typeface="Times New Roman" panose="02020603050405020304" pitchFamily="18" charset="0"/>
+              <a:cs typeface="Times New Roman" panose="02020603050405020304" pitchFamily="18" charset="0"/>
+            </a:endParaRPr>
+          </a:p>
+          <a:p>
+            <a:pPr marL="0" indent="0">
+              <a:lnSpc>
+                <a:spcPct val="107000"/>
+              </a:lnSpc>
+              <a:spcBef>
+                <a:spcPts val="1050"/>
+              </a:spcBef>
+              <a:spcAft>
+                <a:spcPts val="1050"/>
+              </a:spcAft>
+              <a:buNone/>
+            </a:pPr>
+            <a:endParaRPr lang="en-GB" sz="1800" b="1" i="1" dirty="0">
+              <a:latin typeface="Helvetica" panose="020B0604020202020204" pitchFamily="34" charset="0"/>
+              <a:ea typeface="Times New Roman" panose="02020603050405020304" pitchFamily="18" charset="0"/>
+              <a:cs typeface="Times New Roman" panose="02020603050405020304" pitchFamily="18" charset="0"/>
+            </a:endParaRPr>
+          </a:p>
+          <a:p>
+            <a:pPr marL="0" indent="0">
+              <a:lnSpc>
+                <a:spcPct val="107000"/>
+              </a:lnSpc>
+              <a:spcBef>
+                <a:spcPts val="1050"/>
+              </a:spcBef>
+              <a:spcAft>
+                <a:spcPts val="1050"/>
+              </a:spcAft>
+              <a:buNone/>
+            </a:pPr>
+            <a:endParaRPr lang="en-GB" sz="1800" b="1" i="1" dirty="0">
+              <a:effectLst/>
+              <a:latin typeface="Helvetica" panose="020B0604020202020204" pitchFamily="34" charset="0"/>
+              <a:ea typeface="Times New Roman" panose="02020603050405020304" pitchFamily="18" charset="0"/>
+              <a:cs typeface="Times New Roman" panose="02020603050405020304" pitchFamily="18" charset="0"/>
+            </a:endParaRPr>
+          </a:p>
+          <a:p>
+            <a:pPr marL="0" indent="0">
+              <a:lnSpc>
+                <a:spcPct val="107000"/>
+              </a:lnSpc>
+              <a:spcBef>
+                <a:spcPts val="1050"/>
+              </a:spcBef>
+              <a:spcAft>
+                <a:spcPts val="1050"/>
+              </a:spcAft>
+              <a:buNone/>
+            </a:pPr>
+            <a:endParaRPr lang="en-GB" sz="1800" b="1" i="1" dirty="0">
+              <a:latin typeface="Helvetica" panose="020B0604020202020204" pitchFamily="34" charset="0"/>
+              <a:ea typeface="Times New Roman" panose="02020603050405020304" pitchFamily="18" charset="0"/>
+              <a:cs typeface="Times New Roman" panose="02020603050405020304" pitchFamily="18" charset="0"/>
+            </a:endParaRPr>
+          </a:p>
+          <a:p>
+            <a:pPr marL="0" indent="0">
+              <a:lnSpc>
+                <a:spcPct val="107000"/>
+              </a:lnSpc>
+              <a:spcBef>
+                <a:spcPts val="1050"/>
+              </a:spcBef>
+              <a:spcAft>
+                <a:spcPts val="1050"/>
+              </a:spcAft>
+              <a:buNone/>
+            </a:pPr>
+            <a:endParaRPr lang="en-GB" sz="1800" b="1" i="1" dirty="0">
+              <a:effectLst/>
+              <a:latin typeface="Helvetica" panose="020B0604020202020204" pitchFamily="34" charset="0"/>
+              <a:ea typeface="Times New Roman" panose="02020603050405020304" pitchFamily="18" charset="0"/>
+              <a:cs typeface="Times New Roman" panose="02020603050405020304" pitchFamily="18" charset="0"/>
+            </a:endParaRPr>
+          </a:p>
+          <a:p>
+            <a:pPr marL="0" indent="0">
+              <a:lnSpc>
+                <a:spcPct val="107000"/>
+              </a:lnSpc>
+              <a:spcBef>
+                <a:spcPts val="1050"/>
+              </a:spcBef>
+              <a:spcAft>
+                <a:spcPts val="1050"/>
+              </a:spcAft>
+              <a:buNone/>
+            </a:pPr>
+            <a:endParaRPr lang="en-GB" sz="1800" b="1" i="1" dirty="0">
+              <a:effectLst/>
+              <a:latin typeface="Helvetica" panose="020B0604020202020204" pitchFamily="34" charset="0"/>
+              <a:ea typeface="Times New Roman" panose="02020603050405020304" pitchFamily="18" charset="0"/>
+              <a:cs typeface="Times New Roman" panose="02020603050405020304" pitchFamily="18" charset="0"/>
+            </a:endParaRPr>
+          </a:p>
+          <a:p>
+            <a:pPr marL="0" indent="0">
+              <a:lnSpc>
+                <a:spcPct val="107000"/>
+              </a:lnSpc>
+              <a:spcBef>
+                <a:spcPts val="1050"/>
+              </a:spcBef>
+              <a:spcAft>
+                <a:spcPts val="1050"/>
+              </a:spcAft>
+              <a:buNone/>
+            </a:pPr>
+            <a:r>
+              <a:rPr lang="en-GB" sz="1600" b="1" i="1" dirty="0">
+                <a:effectLst/>
+                <a:latin typeface="Helvetica" panose="020B0604020202020204" pitchFamily="34" charset="0"/>
+                <a:ea typeface="Times New Roman" panose="02020603050405020304" pitchFamily="18" charset="0"/>
+                <a:cs typeface="Times New Roman" panose="02020603050405020304" pitchFamily="18" charset="0"/>
+              </a:rPr>
+              <a:t>Copyright 2022 The MathWorks, Inc. &amp; Opti-</a:t>
+            </a:r>
+            <a:r>
+              <a:rPr lang="en-GB" sz="1600" b="1" i="1" dirty="0" err="1">
+                <a:effectLst/>
+                <a:latin typeface="Helvetica" panose="020B0604020202020204" pitchFamily="34" charset="0"/>
+                <a:ea typeface="Times New Roman" panose="02020603050405020304" pitchFamily="18" charset="0"/>
+                <a:cs typeface="Times New Roman" panose="02020603050405020304" pitchFamily="18" charset="0"/>
+              </a:rPr>
+              <a:t>Num</a:t>
+            </a:r>
+            <a:r>
+              <a:rPr lang="en-GB" sz="1600" b="1" i="1" dirty="0">
+                <a:effectLst/>
+                <a:latin typeface="Helvetica" panose="020B0604020202020204" pitchFamily="34" charset="0"/>
+                <a:ea typeface="Times New Roman" panose="02020603050405020304" pitchFamily="18" charset="0"/>
+                <a:cs typeface="Times New Roman" panose="02020603050405020304" pitchFamily="18" charset="0"/>
+              </a:rPr>
+              <a:t> Solutions (Pty) Ltd. </a:t>
+            </a:r>
+            <a:endParaRPr lang="en-ZA" sz="1600" dirty="0">
+              <a:effectLst/>
+              <a:latin typeface="Helvetica" panose="020B0604020202020204" pitchFamily="34" charset="0"/>
+              <a:ea typeface="Times New Roman" panose="02020603050405020304" pitchFamily="18" charset="0"/>
+              <a:cs typeface="Times New Roman" panose="02020603050405020304" pitchFamily="18" charset="0"/>
+            </a:endParaRPr>
+          </a:p>
+          <a:p>
+            <a:pPr>
+              <a:lnSpc>
+                <a:spcPct val="107000"/>
+              </a:lnSpc>
+              <a:spcBef>
+                <a:spcPts val="1050"/>
+              </a:spcBef>
+              <a:spcAft>
+                <a:spcPts val="1050"/>
+              </a:spcAft>
+            </a:pPr>
             <a:endParaRPr kumimoji="0" lang="en-ZA" altLang="en-US" sz="1600" b="0" i="0" u="none" strike="noStrike" cap="none" normalizeH="0" baseline="0" dirty="0">
               <a:ln>
                 <a:noFill/>
